--- a/Presentations/TechHomogeneityEdgeDetection.pptx
+++ b/Presentations/TechHomogeneityEdgeDetection.pptx
@@ -519,7 +519,7 @@
           <a:noFill/>
           <a:extLst>
             <a:ext uri="{909E8E84-426E-40dd-AFC4-6F175D3DCCD1}">
-              <a14:hiddenFill xmlns="" xmlns:a14="http://schemas.microsoft.com/office/drawing/2010/main">
+              <a14:hiddenFill xmlns:a14="http://schemas.microsoft.com/office/drawing/2010/main" xmlns="">
                 <a:solidFill>
                   <a:srgbClr val="FFFFFF"/>
                 </a:solidFill>
@@ -579,7 +579,7 @@
             </a:ln>
             <a:extLst>
               <a:ext uri="{91240B29-F687-4f45-9708-019B960494DF}">
-                <a14:hiddenLine xmlns="" xmlns:a14="http://schemas.microsoft.com/office/drawing/2010/main" w="9525">
+                <a14:hiddenLine xmlns:a14="http://schemas.microsoft.com/office/drawing/2010/main" xmlns="" w="9525">
                   <a:solidFill>
                     <a:srgbClr val="000000"/>
                   </a:solidFill>
@@ -669,7 +669,7 @@
             </a:ln>
             <a:extLst>
               <a:ext uri="{91240B29-F687-4f45-9708-019B960494DF}">
-                <a14:hiddenLine xmlns="" xmlns:a14="http://schemas.microsoft.com/office/drawing/2010/main" w="9525">
+                <a14:hiddenLine xmlns:a14="http://schemas.microsoft.com/office/drawing/2010/main" xmlns="" w="9525">
                   <a:solidFill>
                     <a:srgbClr val="000000"/>
                   </a:solidFill>
@@ -759,7 +759,7 @@
             </a:ln>
             <a:extLst>
               <a:ext uri="{91240B29-F687-4f45-9708-019B960494DF}">
-                <a14:hiddenLine xmlns="" xmlns:a14="http://schemas.microsoft.com/office/drawing/2010/main" w="9525">
+                <a14:hiddenLine xmlns:a14="http://schemas.microsoft.com/office/drawing/2010/main" xmlns="" w="9525">
                   <a:solidFill>
                     <a:srgbClr val="000000"/>
                   </a:solidFill>
@@ -793,7 +793,7 @@
             </a:ln>
             <a:extLst>
               <a:ext uri="{91240B29-F687-4f45-9708-019B960494DF}">
-                <a14:hiddenLine xmlns="" xmlns:a14="http://schemas.microsoft.com/office/drawing/2010/main" w="9525">
+                <a14:hiddenLine xmlns:a14="http://schemas.microsoft.com/office/drawing/2010/main" xmlns="" w="9525">
                   <a:solidFill>
                     <a:srgbClr val="000000"/>
                   </a:solidFill>
@@ -883,7 +883,7 @@
             </a:ln>
             <a:extLst>
               <a:ext uri="{91240B29-F687-4f45-9708-019B960494DF}">
-                <a14:hiddenLine xmlns="" xmlns:a14="http://schemas.microsoft.com/office/drawing/2010/main" w="9525">
+                <a14:hiddenLine xmlns:a14="http://schemas.microsoft.com/office/drawing/2010/main" xmlns="" w="9525">
                   <a:solidFill>
                     <a:srgbClr val="000000"/>
                   </a:solidFill>
@@ -945,7 +945,7 @@
             </a:ln>
             <a:extLst>
               <a:ext uri="{91240B29-F687-4f45-9708-019B960494DF}">
-                <a14:hiddenLine xmlns="" xmlns:a14="http://schemas.microsoft.com/office/drawing/2010/main" w="9525">
+                <a14:hiddenLine xmlns:a14="http://schemas.microsoft.com/office/drawing/2010/main" xmlns="" w="9525">
                   <a:solidFill>
                     <a:srgbClr val="000000"/>
                   </a:solidFill>
@@ -1007,7 +1007,7 @@
             </a:ln>
             <a:extLst>
               <a:ext uri="{91240B29-F687-4f45-9708-019B960494DF}">
-                <a14:hiddenLine xmlns="" xmlns:a14="http://schemas.microsoft.com/office/drawing/2010/main" w="9525">
+                <a14:hiddenLine xmlns:a14="http://schemas.microsoft.com/office/drawing/2010/main" xmlns="" w="9525">
                   <a:solidFill>
                     <a:srgbClr val="000000"/>
                   </a:solidFill>
@@ -1097,7 +1097,7 @@
             </a:ln>
             <a:extLst>
               <a:ext uri="{91240B29-F687-4f45-9708-019B960494DF}">
-                <a14:hiddenLine xmlns="" xmlns:a14="http://schemas.microsoft.com/office/drawing/2010/main" w="9525">
+                <a14:hiddenLine xmlns:a14="http://schemas.microsoft.com/office/drawing/2010/main" xmlns="" w="9525">
                   <a:solidFill>
                     <a:srgbClr val="000000"/>
                   </a:solidFill>
@@ -1159,7 +1159,7 @@
             </a:ln>
             <a:extLst>
               <a:ext uri="{91240B29-F687-4f45-9708-019B960494DF}">
-                <a14:hiddenLine xmlns="" xmlns:a14="http://schemas.microsoft.com/office/drawing/2010/main" w="9525">
+                <a14:hiddenLine xmlns:a14="http://schemas.microsoft.com/office/drawing/2010/main" xmlns="" w="9525">
                   <a:solidFill>
                     <a:srgbClr val="000000"/>
                   </a:solidFill>
@@ -1221,7 +1221,7 @@
             </a:ln>
             <a:extLst>
               <a:ext uri="{91240B29-F687-4f45-9708-019B960494DF}">
-                <a14:hiddenLine xmlns="" xmlns:a14="http://schemas.microsoft.com/office/drawing/2010/main" w="9525">
+                <a14:hiddenLine xmlns:a14="http://schemas.microsoft.com/office/drawing/2010/main" xmlns="" w="9525">
                   <a:solidFill>
                     <a:srgbClr val="000000"/>
                   </a:solidFill>
@@ -1311,7 +1311,7 @@
             </a:ln>
             <a:extLst>
               <a:ext uri="{91240B29-F687-4f45-9708-019B960494DF}">
-                <a14:hiddenLine xmlns="" xmlns:a14="http://schemas.microsoft.com/office/drawing/2010/main" w="9525">
+                <a14:hiddenLine xmlns:a14="http://schemas.microsoft.com/office/drawing/2010/main" xmlns="" w="9525">
                   <a:solidFill>
                     <a:srgbClr val="000000"/>
                   </a:solidFill>
@@ -1401,7 +1401,7 @@
             </a:ln>
             <a:extLst>
               <a:ext uri="{91240B29-F687-4f45-9708-019B960494DF}">
-                <a14:hiddenLine xmlns="" xmlns:a14="http://schemas.microsoft.com/office/drawing/2010/main" w="9525">
+                <a14:hiddenLine xmlns:a14="http://schemas.microsoft.com/office/drawing/2010/main" xmlns="" w="9525">
                   <a:solidFill>
                     <a:srgbClr val="000000"/>
                   </a:solidFill>
@@ -1463,7 +1463,7 @@
             </a:ln>
             <a:extLst>
               <a:ext uri="{91240B29-F687-4f45-9708-019B960494DF}">
-                <a14:hiddenLine xmlns="" xmlns:a14="http://schemas.microsoft.com/office/drawing/2010/main" w="9525">
+                <a14:hiddenLine xmlns:a14="http://schemas.microsoft.com/office/drawing/2010/main" xmlns="" w="9525">
                   <a:solidFill>
                     <a:srgbClr val="000000"/>
                   </a:solidFill>
@@ -1573,7 +1573,7 @@
             </a:ln>
             <a:extLst>
               <a:ext uri="{91240B29-F687-4f45-9708-019B960494DF}">
-                <a14:hiddenLine xmlns="" xmlns:a14="http://schemas.microsoft.com/office/drawing/2010/main" w="9525">
+                <a14:hiddenLine xmlns:a14="http://schemas.microsoft.com/office/drawing/2010/main" xmlns="" w="9525">
                   <a:solidFill>
                     <a:srgbClr val="000000"/>
                   </a:solidFill>
@@ -1635,7 +1635,7 @@
             </a:ln>
             <a:extLst>
               <a:ext uri="{91240B29-F687-4f45-9708-019B960494DF}">
-                <a14:hiddenLine xmlns="" xmlns:a14="http://schemas.microsoft.com/office/drawing/2010/main" w="9525">
+                <a14:hiddenLine xmlns:a14="http://schemas.microsoft.com/office/drawing/2010/main" xmlns="" w="9525">
                   <a:solidFill>
                     <a:srgbClr val="000000"/>
                   </a:solidFill>
@@ -1725,7 +1725,7 @@
             </a:ln>
             <a:extLst>
               <a:ext uri="{91240B29-F687-4f45-9708-019B960494DF}">
-                <a14:hiddenLine xmlns="" xmlns:a14="http://schemas.microsoft.com/office/drawing/2010/main" w="9525">
+                <a14:hiddenLine xmlns:a14="http://schemas.microsoft.com/office/drawing/2010/main" xmlns="" w="9525">
                   <a:solidFill>
                     <a:srgbClr val="000000"/>
                   </a:solidFill>
@@ -1815,7 +1815,7 @@
             </a:ln>
             <a:extLst>
               <a:ext uri="{91240B29-F687-4f45-9708-019B960494DF}">
-                <a14:hiddenLine xmlns="" xmlns:a14="http://schemas.microsoft.com/office/drawing/2010/main" w="9525">
+                <a14:hiddenLine xmlns:a14="http://schemas.microsoft.com/office/drawing/2010/main" xmlns="" w="9525">
                   <a:solidFill>
                     <a:srgbClr val="000000"/>
                   </a:solidFill>
@@ -1877,7 +1877,7 @@
             </a:ln>
             <a:extLst>
               <a:ext uri="{91240B29-F687-4f45-9708-019B960494DF}">
-                <a14:hiddenLine xmlns="" xmlns:a14="http://schemas.microsoft.com/office/drawing/2010/main" w="9525">
+                <a14:hiddenLine xmlns:a14="http://schemas.microsoft.com/office/drawing/2010/main" xmlns="" w="9525">
                   <a:solidFill>
                     <a:srgbClr val="000000"/>
                   </a:solidFill>
@@ -1967,7 +1967,7 @@
             </a:ln>
             <a:extLst>
               <a:ext uri="{91240B29-F687-4f45-9708-019B960494DF}">
-                <a14:hiddenLine xmlns="" xmlns:a14="http://schemas.microsoft.com/office/drawing/2010/main" w="9525">
+                <a14:hiddenLine xmlns:a14="http://schemas.microsoft.com/office/drawing/2010/main" xmlns="" w="9525">
                   <a:solidFill>
                     <a:srgbClr val="000000"/>
                   </a:solidFill>
@@ -2057,7 +2057,7 @@
             </a:ln>
             <a:extLst>
               <a:ext uri="{91240B29-F687-4f45-9708-019B960494DF}">
-                <a14:hiddenLine xmlns="" xmlns:a14="http://schemas.microsoft.com/office/drawing/2010/main" w="9525">
+                <a14:hiddenLine xmlns:a14="http://schemas.microsoft.com/office/drawing/2010/main" xmlns="" w="9525">
                   <a:solidFill>
                     <a:srgbClr val="000000"/>
                   </a:solidFill>
@@ -2113,7 +2113,7 @@
             </a:ln>
             <a:extLst>
               <a:ext uri="{91240B29-F687-4f45-9708-019B960494DF}">
-                <a14:hiddenLine xmlns="" xmlns:a14="http://schemas.microsoft.com/office/drawing/2010/main" w="9525">
+                <a14:hiddenLine xmlns:a14="http://schemas.microsoft.com/office/drawing/2010/main" xmlns="" w="9525">
                   <a:solidFill>
                     <a:srgbClr val="000000"/>
                   </a:solidFill>
@@ -2203,7 +2203,7 @@
             </a:ln>
             <a:extLst>
               <a:ext uri="{91240B29-F687-4f45-9708-019B960494DF}">
-                <a14:hiddenLine xmlns="" xmlns:a14="http://schemas.microsoft.com/office/drawing/2010/main" w="9525">
+                <a14:hiddenLine xmlns:a14="http://schemas.microsoft.com/office/drawing/2010/main" xmlns="" w="9525">
                   <a:solidFill>
                     <a:srgbClr val="000000"/>
                   </a:solidFill>
@@ -2259,7 +2259,7 @@
             </a:ln>
             <a:extLst>
               <a:ext uri="{91240B29-F687-4f45-9708-019B960494DF}">
-                <a14:hiddenLine xmlns="" xmlns:a14="http://schemas.microsoft.com/office/drawing/2010/main" w="9525">
+                <a14:hiddenLine xmlns:a14="http://schemas.microsoft.com/office/drawing/2010/main" xmlns="" w="9525">
                   <a:solidFill>
                     <a:srgbClr val="000000"/>
                   </a:solidFill>
@@ -2349,7 +2349,7 @@
             </a:ln>
             <a:extLst>
               <a:ext uri="{91240B29-F687-4f45-9708-019B960494DF}">
-                <a14:hiddenLine xmlns="" xmlns:a14="http://schemas.microsoft.com/office/drawing/2010/main" w="9525">
+                <a14:hiddenLine xmlns:a14="http://schemas.microsoft.com/office/drawing/2010/main" xmlns="" w="9525">
                   <a:solidFill>
                     <a:srgbClr val="000000"/>
                   </a:solidFill>
@@ -2417,7 +2417,7 @@
             </a:ln>
             <a:extLst>
               <a:ext uri="{91240B29-F687-4f45-9708-019B960494DF}">
-                <a14:hiddenLine xmlns="" xmlns:a14="http://schemas.microsoft.com/office/drawing/2010/main" w="9525">
+                <a14:hiddenLine xmlns:a14="http://schemas.microsoft.com/office/drawing/2010/main" xmlns="" w="9525">
                   <a:solidFill>
                     <a:srgbClr val="000000"/>
                   </a:solidFill>
@@ -2507,7 +2507,7 @@
             </a:ln>
             <a:extLst>
               <a:ext uri="{91240B29-F687-4f45-9708-019B960494DF}">
-                <a14:hiddenLine xmlns="" xmlns:a14="http://schemas.microsoft.com/office/drawing/2010/main" w="9525">
+                <a14:hiddenLine xmlns:a14="http://schemas.microsoft.com/office/drawing/2010/main" xmlns="" w="9525">
                   <a:solidFill>
                     <a:srgbClr val="000000"/>
                   </a:solidFill>
@@ -2575,7 +2575,7 @@
             </a:ln>
             <a:extLst>
               <a:ext uri="{91240B29-F687-4f45-9708-019B960494DF}">
-                <a14:hiddenLine xmlns="" xmlns:a14="http://schemas.microsoft.com/office/drawing/2010/main" w="9525">
+                <a14:hiddenLine xmlns:a14="http://schemas.microsoft.com/office/drawing/2010/main" xmlns="" w="9525">
                   <a:solidFill>
                     <a:srgbClr val="000000"/>
                   </a:solidFill>
@@ -2665,7 +2665,7 @@
             </a:ln>
             <a:extLst>
               <a:ext uri="{91240B29-F687-4f45-9708-019B960494DF}">
-                <a14:hiddenLine xmlns="" xmlns:a14="http://schemas.microsoft.com/office/drawing/2010/main" w="9525">
+                <a14:hiddenLine xmlns:a14="http://schemas.microsoft.com/office/drawing/2010/main" xmlns="" w="9525">
                   <a:solidFill>
                     <a:srgbClr val="000000"/>
                   </a:solidFill>
@@ -2699,7 +2699,7 @@
             </a:ln>
             <a:extLst>
               <a:ext uri="{91240B29-F687-4f45-9708-019B960494DF}">
-                <a14:hiddenLine xmlns="" xmlns:a14="http://schemas.microsoft.com/office/drawing/2010/main" w="9525">
+                <a14:hiddenLine xmlns:a14="http://schemas.microsoft.com/office/drawing/2010/main" xmlns="" w="9525">
                   <a:solidFill>
                     <a:srgbClr val="000000"/>
                   </a:solidFill>
@@ -2789,7 +2789,7 @@
             </a:ln>
             <a:extLst>
               <a:ext uri="{91240B29-F687-4f45-9708-019B960494DF}">
-                <a14:hiddenLine xmlns="" xmlns:a14="http://schemas.microsoft.com/office/drawing/2010/main" w="9525">
+                <a14:hiddenLine xmlns:a14="http://schemas.microsoft.com/office/drawing/2010/main" xmlns="" w="9525">
                   <a:solidFill>
                     <a:srgbClr val="000000"/>
                   </a:solidFill>
@@ -2851,7 +2851,7 @@
             </a:ln>
             <a:extLst>
               <a:ext uri="{91240B29-F687-4f45-9708-019B960494DF}">
-                <a14:hiddenLine xmlns="" xmlns:a14="http://schemas.microsoft.com/office/drawing/2010/main" w="9525">
+                <a14:hiddenLine xmlns:a14="http://schemas.microsoft.com/office/drawing/2010/main" xmlns="" w="9525">
                   <a:solidFill>
                     <a:srgbClr val="000000"/>
                   </a:solidFill>
@@ -2913,7 +2913,7 @@
             </a:ln>
             <a:extLst>
               <a:ext uri="{91240B29-F687-4f45-9708-019B960494DF}">
-                <a14:hiddenLine xmlns="" xmlns:a14="http://schemas.microsoft.com/office/drawing/2010/main" w="9525">
+                <a14:hiddenLine xmlns:a14="http://schemas.microsoft.com/office/drawing/2010/main" xmlns="" w="9525">
                   <a:solidFill>
                     <a:srgbClr val="000000"/>
                   </a:solidFill>
@@ -3003,7 +3003,7 @@
             </a:ln>
             <a:extLst>
               <a:ext uri="{91240B29-F687-4f45-9708-019B960494DF}">
-                <a14:hiddenLine xmlns="" xmlns:a14="http://schemas.microsoft.com/office/drawing/2010/main" w="9525">
+                <a14:hiddenLine xmlns:a14="http://schemas.microsoft.com/office/drawing/2010/main" xmlns="" w="9525">
                   <a:solidFill>
                     <a:srgbClr val="000000"/>
                   </a:solidFill>
@@ -3071,7 +3071,7 @@
             </a:ln>
             <a:extLst>
               <a:ext uri="{91240B29-F687-4f45-9708-019B960494DF}">
-                <a14:hiddenLine xmlns="" xmlns:a14="http://schemas.microsoft.com/office/drawing/2010/main" w="9525">
+                <a14:hiddenLine xmlns:a14="http://schemas.microsoft.com/office/drawing/2010/main" xmlns="" w="9525">
                   <a:solidFill>
                     <a:srgbClr val="000000"/>
                   </a:solidFill>
@@ -3133,7 +3133,7 @@
             </a:ln>
             <a:extLst>
               <a:ext uri="{91240B29-F687-4f45-9708-019B960494DF}">
-                <a14:hiddenLine xmlns="" xmlns:a14="http://schemas.microsoft.com/office/drawing/2010/main" w="9525">
+                <a14:hiddenLine xmlns:a14="http://schemas.microsoft.com/office/drawing/2010/main" xmlns="" w="9525">
                   <a:solidFill>
                     <a:srgbClr val="000000"/>
                   </a:solidFill>
@@ -3223,7 +3223,7 @@
             </a:ln>
             <a:extLst>
               <a:ext uri="{91240B29-F687-4f45-9708-019B960494DF}">
-                <a14:hiddenLine xmlns="" xmlns:a14="http://schemas.microsoft.com/office/drawing/2010/main" w="9525">
+                <a14:hiddenLine xmlns:a14="http://schemas.microsoft.com/office/drawing/2010/main" xmlns="" w="9525">
                   <a:solidFill>
                     <a:srgbClr val="000000"/>
                   </a:solidFill>
@@ -3285,7 +3285,7 @@
             </a:ln>
             <a:extLst>
               <a:ext uri="{91240B29-F687-4f45-9708-019B960494DF}">
-                <a14:hiddenLine xmlns="" xmlns:a14="http://schemas.microsoft.com/office/drawing/2010/main" w="9525">
+                <a14:hiddenLine xmlns:a14="http://schemas.microsoft.com/office/drawing/2010/main" xmlns="" w="9525">
                   <a:solidFill>
                     <a:srgbClr val="000000"/>
                   </a:solidFill>
@@ -3375,7 +3375,7 @@
             </a:ln>
             <a:extLst>
               <a:ext uri="{91240B29-F687-4f45-9708-019B960494DF}">
-                <a14:hiddenLine xmlns="" xmlns:a14="http://schemas.microsoft.com/office/drawing/2010/main" w="9525">
+                <a14:hiddenLine xmlns:a14="http://schemas.microsoft.com/office/drawing/2010/main" xmlns="" w="9525">
                   <a:solidFill>
                     <a:srgbClr val="000000"/>
                   </a:solidFill>
@@ -3437,7 +3437,7 @@
             </a:ln>
             <a:extLst>
               <a:ext uri="{91240B29-F687-4f45-9708-019B960494DF}">
-                <a14:hiddenLine xmlns="" xmlns:a14="http://schemas.microsoft.com/office/drawing/2010/main" w="9525">
+                <a14:hiddenLine xmlns:a14="http://schemas.microsoft.com/office/drawing/2010/main" xmlns="" w="9525">
                   <a:solidFill>
                     <a:srgbClr val="000000"/>
                   </a:solidFill>
@@ -3527,7 +3527,7 @@
             </a:ln>
             <a:extLst>
               <a:ext uri="{91240B29-F687-4f45-9708-019B960494DF}">
-                <a14:hiddenLine xmlns="" xmlns:a14="http://schemas.microsoft.com/office/drawing/2010/main" w="9525">
+                <a14:hiddenLine xmlns:a14="http://schemas.microsoft.com/office/drawing/2010/main" xmlns="" w="9525">
                   <a:solidFill>
                     <a:srgbClr val="000000"/>
                   </a:solidFill>
@@ -3561,7 +3561,7 @@
             </a:ln>
             <a:extLst>
               <a:ext uri="{91240B29-F687-4f45-9708-019B960494DF}">
-                <a14:hiddenLine xmlns="" xmlns:a14="http://schemas.microsoft.com/office/drawing/2010/main" w="9525">
+                <a14:hiddenLine xmlns:a14="http://schemas.microsoft.com/office/drawing/2010/main" xmlns="" w="9525">
                   <a:solidFill>
                     <a:srgbClr val="000000"/>
                   </a:solidFill>
@@ -3626,7 +3626,7 @@
             </a:ln>
             <a:extLst>
               <a:ext uri="{91240B29-F687-4f45-9708-019B960494DF}">
-                <a14:hiddenLine xmlns="" xmlns:a14="http://schemas.microsoft.com/office/drawing/2010/main" w="9525">
+                <a14:hiddenLine xmlns:a14="http://schemas.microsoft.com/office/drawing/2010/main" xmlns="" w="9525">
                   <a:solidFill>
                     <a:srgbClr val="000000"/>
                   </a:solidFill>
@@ -3716,7 +3716,7 @@
             </a:ln>
             <a:extLst>
               <a:ext uri="{91240B29-F687-4f45-9708-019B960494DF}">
-                <a14:hiddenLine xmlns="" xmlns:a14="http://schemas.microsoft.com/office/drawing/2010/main" w="9525">
+                <a14:hiddenLine xmlns:a14="http://schemas.microsoft.com/office/drawing/2010/main" xmlns="" w="9525">
                   <a:solidFill>
                     <a:srgbClr val="000000"/>
                   </a:solidFill>
@@ -3778,7 +3778,7 @@
             </a:ln>
             <a:extLst>
               <a:ext uri="{91240B29-F687-4f45-9708-019B960494DF}">
-                <a14:hiddenLine xmlns="" xmlns:a14="http://schemas.microsoft.com/office/drawing/2010/main" w="9525">
+                <a14:hiddenLine xmlns:a14="http://schemas.microsoft.com/office/drawing/2010/main" xmlns="" w="9525">
                   <a:solidFill>
                     <a:srgbClr val="000000"/>
                   </a:solidFill>
@@ -3868,7 +3868,7 @@
             </a:ln>
             <a:extLst>
               <a:ext uri="{91240B29-F687-4f45-9708-019B960494DF}">
-                <a14:hiddenLine xmlns="" xmlns:a14="http://schemas.microsoft.com/office/drawing/2010/main" w="9525">
+                <a14:hiddenLine xmlns:a14="http://schemas.microsoft.com/office/drawing/2010/main" xmlns="" w="9525">
                   <a:solidFill>
                     <a:srgbClr val="000000"/>
                   </a:solidFill>
@@ -3958,7 +3958,7 @@
             </a:ln>
             <a:extLst>
               <a:ext uri="{91240B29-F687-4f45-9708-019B960494DF}">
-                <a14:hiddenLine xmlns="" xmlns:a14="http://schemas.microsoft.com/office/drawing/2010/main" w="9525">
+                <a14:hiddenLine xmlns:a14="http://schemas.microsoft.com/office/drawing/2010/main" xmlns="" w="9525">
                   <a:solidFill>
                     <a:srgbClr val="000000"/>
                   </a:solidFill>
@@ -4023,7 +4023,7 @@
             </a:ln>
             <a:extLst>
               <a:ext uri="{91240B29-F687-4f45-9708-019B960494DF}">
-                <a14:hiddenLine xmlns="" xmlns:a14="http://schemas.microsoft.com/office/drawing/2010/main" w="9525">
+                <a14:hiddenLine xmlns:a14="http://schemas.microsoft.com/office/drawing/2010/main" xmlns="" w="9525">
                   <a:solidFill>
                     <a:srgbClr val="000000"/>
                   </a:solidFill>
@@ -4085,7 +4085,7 @@
             </a:ln>
             <a:extLst>
               <a:ext uri="{91240B29-F687-4f45-9708-019B960494DF}">
-                <a14:hiddenLine xmlns="" xmlns:a14="http://schemas.microsoft.com/office/drawing/2010/main" w="9525">
+                <a14:hiddenLine xmlns:a14="http://schemas.microsoft.com/office/drawing/2010/main" xmlns="" w="9525">
                   <a:solidFill>
                     <a:srgbClr val="000000"/>
                   </a:solidFill>
@@ -4175,7 +4175,7 @@
             </a:ln>
             <a:extLst>
               <a:ext uri="{91240B29-F687-4f45-9708-019B960494DF}">
-                <a14:hiddenLine xmlns="" xmlns:a14="http://schemas.microsoft.com/office/drawing/2010/main" w="9525">
+                <a14:hiddenLine xmlns:a14="http://schemas.microsoft.com/office/drawing/2010/main" xmlns="" w="9525">
                   <a:solidFill>
                     <a:srgbClr val="000000"/>
                   </a:solidFill>
@@ -4265,7 +4265,7 @@
             </a:ln>
             <a:extLst>
               <a:ext uri="{91240B29-F687-4f45-9708-019B960494DF}">
-                <a14:hiddenLine xmlns="" xmlns:a14="http://schemas.microsoft.com/office/drawing/2010/main" w="9525">
+                <a14:hiddenLine xmlns:a14="http://schemas.microsoft.com/office/drawing/2010/main" xmlns="" w="9525">
                   <a:solidFill>
                     <a:srgbClr val="000000"/>
                   </a:solidFill>
@@ -4327,7 +4327,7 @@
             </a:ln>
             <a:extLst>
               <a:ext uri="{91240B29-F687-4f45-9708-019B960494DF}">
-                <a14:hiddenLine xmlns="" xmlns:a14="http://schemas.microsoft.com/office/drawing/2010/main" w="9525">
+                <a14:hiddenLine xmlns:a14="http://schemas.microsoft.com/office/drawing/2010/main" xmlns="" w="9525">
                   <a:solidFill>
                     <a:srgbClr val="000000"/>
                   </a:solidFill>
@@ -4447,7 +4447,7 @@
             </a:ln>
             <a:extLst>
               <a:ext uri="{91240B29-F687-4f45-9708-019B960494DF}">
-                <a14:hiddenLine xmlns="" xmlns:a14="http://schemas.microsoft.com/office/drawing/2010/main" w="9525">
+                <a14:hiddenLine xmlns:a14="http://schemas.microsoft.com/office/drawing/2010/main" xmlns="" w="9525">
                   <a:solidFill>
                     <a:srgbClr val="000000"/>
                   </a:solidFill>
@@ -4515,7 +4515,7 @@
             </a:ln>
             <a:extLst>
               <a:ext uri="{91240B29-F687-4f45-9708-019B960494DF}">
-                <a14:hiddenLine xmlns="" xmlns:a14="http://schemas.microsoft.com/office/drawing/2010/main" w="9525">
+                <a14:hiddenLine xmlns:a14="http://schemas.microsoft.com/office/drawing/2010/main" xmlns="" w="9525">
                   <a:solidFill>
                     <a:srgbClr val="000000"/>
                   </a:solidFill>
@@ -4605,7 +4605,7 @@
             </a:ln>
             <a:extLst>
               <a:ext uri="{91240B29-F687-4f45-9708-019B960494DF}">
-                <a14:hiddenLine xmlns="" xmlns:a14="http://schemas.microsoft.com/office/drawing/2010/main" w="9525">
+                <a14:hiddenLine xmlns:a14="http://schemas.microsoft.com/office/drawing/2010/main" xmlns="" w="9525">
                   <a:solidFill>
                     <a:srgbClr val="000000"/>
                   </a:solidFill>
@@ -9412,7 +9412,7 @@
           <a:noFill/>
           <a:extLst>
             <a:ext uri="{909E8E84-426E-40dd-AFC4-6F175D3DCCD1}">
-              <a14:hiddenFill xmlns="" xmlns:a14="http://schemas.microsoft.com/office/drawing/2010/main">
+              <a14:hiddenFill xmlns:a14="http://schemas.microsoft.com/office/drawing/2010/main" xmlns="">
                 <a:solidFill>
                   <a:srgbClr val="FFFFFF"/>
                 </a:solidFill>
@@ -9486,7 +9486,7 @@
               </a:ln>
               <a:extLst>
                 <a:ext uri="{91240B29-F687-4f45-9708-019B960494DF}">
-                  <a14:hiddenLine xmlns="" xmlns:a14="http://schemas.microsoft.com/office/drawing/2010/main" w="9525">
+                  <a14:hiddenLine xmlns:a14="http://schemas.microsoft.com/office/drawing/2010/main" xmlns="" w="9525">
                     <a:solidFill>
                       <a:srgbClr val="000000"/>
                     </a:solidFill>
@@ -9576,7 +9576,7 @@
               </a:ln>
               <a:extLst>
                 <a:ext uri="{91240B29-F687-4f45-9708-019B960494DF}">
-                  <a14:hiddenLine xmlns="" xmlns:a14="http://schemas.microsoft.com/office/drawing/2010/main" w="9525">
+                  <a14:hiddenLine xmlns:a14="http://schemas.microsoft.com/office/drawing/2010/main" xmlns="" w="9525">
                     <a:solidFill>
                       <a:srgbClr val="000000"/>
                     </a:solidFill>
@@ -9666,7 +9666,7 @@
               </a:ln>
               <a:extLst>
                 <a:ext uri="{91240B29-F687-4f45-9708-019B960494DF}">
-                  <a14:hiddenLine xmlns="" xmlns:a14="http://schemas.microsoft.com/office/drawing/2010/main" w="9525">
+                  <a14:hiddenLine xmlns:a14="http://schemas.microsoft.com/office/drawing/2010/main" xmlns="" w="9525">
                     <a:solidFill>
                       <a:srgbClr val="000000"/>
                     </a:solidFill>
@@ -9728,7 +9728,7 @@
               </a:ln>
               <a:extLst>
                 <a:ext uri="{91240B29-F687-4f45-9708-019B960494DF}">
-                  <a14:hiddenLine xmlns="" xmlns:a14="http://schemas.microsoft.com/office/drawing/2010/main" w="9525">
+                  <a14:hiddenLine xmlns:a14="http://schemas.microsoft.com/office/drawing/2010/main" xmlns="" w="9525">
                     <a:solidFill>
                       <a:srgbClr val="000000"/>
                     </a:solidFill>
@@ -9818,7 +9818,7 @@
               </a:ln>
               <a:extLst>
                 <a:ext uri="{91240B29-F687-4f45-9708-019B960494DF}">
-                  <a14:hiddenLine xmlns="" xmlns:a14="http://schemas.microsoft.com/office/drawing/2010/main" w="9525">
+                  <a14:hiddenLine xmlns:a14="http://schemas.microsoft.com/office/drawing/2010/main" xmlns="" w="9525">
                     <a:solidFill>
                       <a:srgbClr val="000000"/>
                     </a:solidFill>
@@ -9880,7 +9880,7 @@
               </a:ln>
               <a:extLst>
                 <a:ext uri="{91240B29-F687-4f45-9708-019B960494DF}">
-                  <a14:hiddenLine xmlns="" xmlns:a14="http://schemas.microsoft.com/office/drawing/2010/main" w="9525">
+                  <a14:hiddenLine xmlns:a14="http://schemas.microsoft.com/office/drawing/2010/main" xmlns="" w="9525">
                     <a:solidFill>
                       <a:srgbClr val="000000"/>
                     </a:solidFill>
@@ -9942,7 +9942,7 @@
               </a:ln>
               <a:extLst>
                 <a:ext uri="{91240B29-F687-4f45-9708-019B960494DF}">
-                  <a14:hiddenLine xmlns="" xmlns:a14="http://schemas.microsoft.com/office/drawing/2010/main" w="9525">
+                  <a14:hiddenLine xmlns:a14="http://schemas.microsoft.com/office/drawing/2010/main" xmlns="" w="9525">
                     <a:solidFill>
                       <a:srgbClr val="000000"/>
                     </a:solidFill>
@@ -10032,7 +10032,7 @@
               </a:ln>
               <a:extLst>
                 <a:ext uri="{91240B29-F687-4f45-9708-019B960494DF}">
-                  <a14:hiddenLine xmlns="" xmlns:a14="http://schemas.microsoft.com/office/drawing/2010/main" w="9525">
+                  <a14:hiddenLine xmlns:a14="http://schemas.microsoft.com/office/drawing/2010/main" xmlns="" w="9525">
                     <a:solidFill>
                       <a:srgbClr val="000000"/>
                     </a:solidFill>
@@ -10122,7 +10122,7 @@
               </a:ln>
               <a:extLst>
                 <a:ext uri="{91240B29-F687-4f45-9708-019B960494DF}">
-                  <a14:hiddenLine xmlns="" xmlns:a14="http://schemas.microsoft.com/office/drawing/2010/main" w="9525">
+                  <a14:hiddenLine xmlns:a14="http://schemas.microsoft.com/office/drawing/2010/main" xmlns="" w="9525">
                     <a:solidFill>
                       <a:srgbClr val="000000"/>
                     </a:solidFill>
@@ -10184,7 +10184,7 @@
               </a:ln>
               <a:extLst>
                 <a:ext uri="{91240B29-F687-4f45-9708-019B960494DF}">
-                  <a14:hiddenLine xmlns="" xmlns:a14="http://schemas.microsoft.com/office/drawing/2010/main" w="9525">
+                  <a14:hiddenLine xmlns:a14="http://schemas.microsoft.com/office/drawing/2010/main" xmlns="" w="9525">
                     <a:solidFill>
                       <a:srgbClr val="000000"/>
                     </a:solidFill>
@@ -10294,7 +10294,7 @@
               </a:ln>
               <a:extLst>
                 <a:ext uri="{91240B29-F687-4f45-9708-019B960494DF}">
-                  <a14:hiddenLine xmlns="" xmlns:a14="http://schemas.microsoft.com/office/drawing/2010/main" w="9525">
+                  <a14:hiddenLine xmlns:a14="http://schemas.microsoft.com/office/drawing/2010/main" xmlns="" w="9525">
                     <a:solidFill>
                       <a:srgbClr val="000000"/>
                     </a:solidFill>
@@ -10378,7 +10378,7 @@
               </a:ln>
               <a:extLst>
                 <a:ext uri="{91240B29-F687-4f45-9708-019B960494DF}">
-                  <a14:hiddenLine xmlns="" xmlns:a14="http://schemas.microsoft.com/office/drawing/2010/main" w="9525">
+                  <a14:hiddenLine xmlns:a14="http://schemas.microsoft.com/office/drawing/2010/main" xmlns="" w="9525">
                     <a:solidFill>
                       <a:srgbClr val="000000"/>
                     </a:solidFill>
@@ -10440,7 +10440,7 @@
               </a:ln>
               <a:extLst>
                 <a:ext uri="{91240B29-F687-4f45-9708-019B960494DF}">
-                  <a14:hiddenLine xmlns="" xmlns:a14="http://schemas.microsoft.com/office/drawing/2010/main" w="9525">
+                  <a14:hiddenLine xmlns:a14="http://schemas.microsoft.com/office/drawing/2010/main" xmlns="" w="9525">
                     <a:solidFill>
                       <a:srgbClr val="000000"/>
                     </a:solidFill>
@@ -10502,7 +10502,7 @@
               </a:ln>
               <a:extLst>
                 <a:ext uri="{91240B29-F687-4f45-9708-019B960494DF}">
-                  <a14:hiddenLine xmlns="" xmlns:a14="http://schemas.microsoft.com/office/drawing/2010/main" w="9525">
+                  <a14:hiddenLine xmlns:a14="http://schemas.microsoft.com/office/drawing/2010/main" xmlns="" w="9525">
                     <a:solidFill>
                       <a:srgbClr val="000000"/>
                     </a:solidFill>
@@ -10592,7 +10592,7 @@
               </a:ln>
               <a:extLst>
                 <a:ext uri="{91240B29-F687-4f45-9708-019B960494DF}">
-                  <a14:hiddenLine xmlns="" xmlns:a14="http://schemas.microsoft.com/office/drawing/2010/main" w="9525">
+                  <a14:hiddenLine xmlns:a14="http://schemas.microsoft.com/office/drawing/2010/main" xmlns="" w="9525">
                     <a:solidFill>
                       <a:srgbClr val="000000"/>
                     </a:solidFill>
@@ -10626,7 +10626,7 @@
               </a:ln>
               <a:extLst>
                 <a:ext uri="{91240B29-F687-4f45-9708-019B960494DF}">
-                  <a14:hiddenLine xmlns="" xmlns:a14="http://schemas.microsoft.com/office/drawing/2010/main" w="9525">
+                  <a14:hiddenLine xmlns:a14="http://schemas.microsoft.com/office/drawing/2010/main" xmlns="" w="9525">
                     <a:solidFill>
                       <a:srgbClr val="000000"/>
                     </a:solidFill>
@@ -10691,7 +10691,7 @@
               </a:ln>
               <a:extLst>
                 <a:ext uri="{91240B29-F687-4f45-9708-019B960494DF}">
-                  <a14:hiddenLine xmlns="" xmlns:a14="http://schemas.microsoft.com/office/drawing/2010/main" w="9525">
+                  <a14:hiddenLine xmlns:a14="http://schemas.microsoft.com/office/drawing/2010/main" xmlns="" w="9525">
                     <a:solidFill>
                       <a:srgbClr val="000000"/>
                     </a:solidFill>
@@ -10781,7 +10781,7 @@
               </a:ln>
               <a:extLst>
                 <a:ext uri="{91240B29-F687-4f45-9708-019B960494DF}">
-                  <a14:hiddenLine xmlns="" xmlns:a14="http://schemas.microsoft.com/office/drawing/2010/main" w="9525">
+                  <a14:hiddenLine xmlns:a14="http://schemas.microsoft.com/office/drawing/2010/main" xmlns="" w="9525">
                     <a:solidFill>
                       <a:srgbClr val="000000"/>
                     </a:solidFill>
@@ -10843,7 +10843,7 @@
               </a:ln>
               <a:extLst>
                 <a:ext uri="{91240B29-F687-4f45-9708-019B960494DF}">
-                  <a14:hiddenLine xmlns="" xmlns:a14="http://schemas.microsoft.com/office/drawing/2010/main" w="9525">
+                  <a14:hiddenLine xmlns:a14="http://schemas.microsoft.com/office/drawing/2010/main" xmlns="" w="9525">
                     <a:solidFill>
                       <a:srgbClr val="000000"/>
                     </a:solidFill>
@@ -10933,7 +10933,7 @@
               </a:ln>
               <a:extLst>
                 <a:ext uri="{91240B29-F687-4f45-9708-019B960494DF}">
-                  <a14:hiddenLine xmlns="" xmlns:a14="http://schemas.microsoft.com/office/drawing/2010/main" w="9525">
+                  <a14:hiddenLine xmlns:a14="http://schemas.microsoft.com/office/drawing/2010/main" xmlns="" w="9525">
                     <a:solidFill>
                       <a:srgbClr val="000000"/>
                     </a:solidFill>
@@ -10998,7 +10998,7 @@
               </a:ln>
               <a:extLst>
                 <a:ext uri="{91240B29-F687-4f45-9708-019B960494DF}">
-                  <a14:hiddenLine xmlns="" xmlns:a14="http://schemas.microsoft.com/office/drawing/2010/main" w="9525">
+                  <a14:hiddenLine xmlns:a14="http://schemas.microsoft.com/office/drawing/2010/main" xmlns="" w="9525">
                     <a:solidFill>
                       <a:srgbClr val="000000"/>
                     </a:solidFill>
@@ -11060,7 +11060,7 @@
               </a:ln>
               <a:extLst>
                 <a:ext uri="{91240B29-F687-4f45-9708-019B960494DF}">
-                  <a14:hiddenLine xmlns="" xmlns:a14="http://schemas.microsoft.com/office/drawing/2010/main" w="9525">
+                  <a14:hiddenLine xmlns:a14="http://schemas.microsoft.com/office/drawing/2010/main" xmlns="" w="9525">
                     <a:solidFill>
                       <a:srgbClr val="000000"/>
                     </a:solidFill>
@@ -11150,7 +11150,7 @@
               </a:ln>
               <a:extLst>
                 <a:ext uri="{91240B29-F687-4f45-9708-019B960494DF}">
-                  <a14:hiddenLine xmlns="" xmlns:a14="http://schemas.microsoft.com/office/drawing/2010/main" w="9525">
+                  <a14:hiddenLine xmlns:a14="http://schemas.microsoft.com/office/drawing/2010/main" xmlns="" w="9525">
                     <a:solidFill>
                       <a:srgbClr val="000000"/>
                     </a:solidFill>
@@ -11240,7 +11240,7 @@
               </a:ln>
               <a:extLst>
                 <a:ext uri="{91240B29-F687-4f45-9708-019B960494DF}">
-                  <a14:hiddenLine xmlns="" xmlns:a14="http://schemas.microsoft.com/office/drawing/2010/main" w="9525">
+                  <a14:hiddenLine xmlns:a14="http://schemas.microsoft.com/office/drawing/2010/main" xmlns="" w="9525">
                     <a:solidFill>
                       <a:srgbClr val="000000"/>
                     </a:solidFill>
@@ -11305,7 +11305,7 @@
               </a:ln>
               <a:extLst>
                 <a:ext uri="{91240B29-F687-4f45-9708-019B960494DF}">
-                  <a14:hiddenLine xmlns="" xmlns:a14="http://schemas.microsoft.com/office/drawing/2010/main" w="9525">
+                  <a14:hiddenLine xmlns:a14="http://schemas.microsoft.com/office/drawing/2010/main" xmlns="" w="9525">
                     <a:solidFill>
                       <a:srgbClr val="000000"/>
                     </a:solidFill>
@@ -11425,7 +11425,7 @@
               </a:ln>
               <a:extLst>
                 <a:ext uri="{91240B29-F687-4f45-9708-019B960494DF}">
-                  <a14:hiddenLine xmlns="" xmlns:a14="http://schemas.microsoft.com/office/drawing/2010/main" w="9525">
+                  <a14:hiddenLine xmlns:a14="http://schemas.microsoft.com/office/drawing/2010/main" xmlns="" w="9525">
                     <a:solidFill>
                       <a:srgbClr val="000000"/>
                     </a:solidFill>
@@ -11523,7 +11523,7 @@
               </a:ln>
               <a:extLst>
                 <a:ext uri="{91240B29-F687-4f45-9708-019B960494DF}">
-                  <a14:hiddenLine xmlns="" xmlns:a14="http://schemas.microsoft.com/office/drawing/2010/main" w="9525">
+                  <a14:hiddenLine xmlns:a14="http://schemas.microsoft.com/office/drawing/2010/main" xmlns="" w="9525">
                     <a:solidFill>
                       <a:srgbClr val="000000"/>
                     </a:solidFill>
@@ -11638,7 +11638,7 @@
               </a:ln>
               <a:extLst>
                 <a:ext uri="{91240B29-F687-4f45-9708-019B960494DF}">
-                  <a14:hiddenLine xmlns="" xmlns:a14="http://schemas.microsoft.com/office/drawing/2010/main" w="9525">
+                  <a14:hiddenLine xmlns:a14="http://schemas.microsoft.com/office/drawing/2010/main" xmlns="" w="9525">
                     <a:solidFill>
                       <a:srgbClr val="000000"/>
                     </a:solidFill>
@@ -11728,7 +11728,7 @@
               </a:ln>
               <a:extLst>
                 <a:ext uri="{91240B29-F687-4f45-9708-019B960494DF}">
-                  <a14:hiddenLine xmlns="" xmlns:a14="http://schemas.microsoft.com/office/drawing/2010/main" w="9525">
+                  <a14:hiddenLine xmlns:a14="http://schemas.microsoft.com/office/drawing/2010/main" xmlns="" w="9525">
                     <a:solidFill>
                       <a:srgbClr val="000000"/>
                     </a:solidFill>
@@ -11793,7 +11793,7 @@
               </a:ln>
               <a:extLst>
                 <a:ext uri="{91240B29-F687-4f45-9708-019B960494DF}">
-                  <a14:hiddenLine xmlns="" xmlns:a14="http://schemas.microsoft.com/office/drawing/2010/main" w="9525">
+                  <a14:hiddenLine xmlns:a14="http://schemas.microsoft.com/office/drawing/2010/main" xmlns="" w="9525">
                     <a:solidFill>
                       <a:srgbClr val="000000"/>
                     </a:solidFill>
@@ -11883,7 +11883,7 @@
               </a:ln>
               <a:extLst>
                 <a:ext uri="{91240B29-F687-4f45-9708-019B960494DF}">
-                  <a14:hiddenLine xmlns="" xmlns:a14="http://schemas.microsoft.com/office/drawing/2010/main" w="9525">
+                  <a14:hiddenLine xmlns:a14="http://schemas.microsoft.com/office/drawing/2010/main" xmlns="" w="9525">
                     <a:solidFill>
                       <a:srgbClr val="000000"/>
                     </a:solidFill>
@@ -11951,7 +11951,7 @@
               </a:ln>
               <a:extLst>
                 <a:ext uri="{91240B29-F687-4f45-9708-019B960494DF}">
-                  <a14:hiddenLine xmlns="" xmlns:a14="http://schemas.microsoft.com/office/drawing/2010/main" w="9525">
+                  <a14:hiddenLine xmlns:a14="http://schemas.microsoft.com/office/drawing/2010/main" xmlns="" w="9525">
                     <a:solidFill>
                       <a:srgbClr val="000000"/>
                     </a:solidFill>
@@ -12041,7 +12041,7 @@
               </a:ln>
               <a:extLst>
                 <a:ext uri="{91240B29-F687-4f45-9708-019B960494DF}">
-                  <a14:hiddenLine xmlns="" xmlns:a14="http://schemas.microsoft.com/office/drawing/2010/main" w="9525">
+                  <a14:hiddenLine xmlns:a14="http://schemas.microsoft.com/office/drawing/2010/main" xmlns="" w="9525">
                     <a:solidFill>
                       <a:srgbClr val="000000"/>
                     </a:solidFill>
@@ -12109,7 +12109,7 @@
               </a:ln>
               <a:extLst>
                 <a:ext uri="{91240B29-F687-4f45-9708-019B960494DF}">
-                  <a14:hiddenLine xmlns="" xmlns:a14="http://schemas.microsoft.com/office/drawing/2010/main" w="9525">
+                  <a14:hiddenLine xmlns:a14="http://schemas.microsoft.com/office/drawing/2010/main" xmlns="" w="9525">
                     <a:solidFill>
                       <a:srgbClr val="000000"/>
                     </a:solidFill>
@@ -12199,7 +12199,7 @@
               </a:ln>
               <a:extLst>
                 <a:ext uri="{91240B29-F687-4f45-9708-019B960494DF}">
-                  <a14:hiddenLine xmlns="" xmlns:a14="http://schemas.microsoft.com/office/drawing/2010/main" w="9525">
+                  <a14:hiddenLine xmlns:a14="http://schemas.microsoft.com/office/drawing/2010/main" xmlns="" w="9525">
                     <a:solidFill>
                       <a:srgbClr val="000000"/>
                     </a:solidFill>
@@ -12233,7 +12233,7 @@
               </a:ln>
               <a:extLst>
                 <a:ext uri="{91240B29-F687-4f45-9708-019B960494DF}">
-                  <a14:hiddenLine xmlns="" xmlns:a14="http://schemas.microsoft.com/office/drawing/2010/main" w="9525">
+                  <a14:hiddenLine xmlns:a14="http://schemas.microsoft.com/office/drawing/2010/main" xmlns="" w="9525">
                     <a:solidFill>
                       <a:srgbClr val="000000"/>
                     </a:solidFill>
@@ -12872,7 +12872,12 @@
             <p:ph type="sldNum" sz="quarter" idx="12"/>
           </p:nvPr>
         </p:nvSpPr>
-        <p:spPr/>
+        <p:spPr>
+          <a:xfrm>
+            <a:off x="10201711" y="6492875"/>
+            <a:ext cx="771089" cy="365125"/>
+          </a:xfrm>
+        </p:spPr>
         <p:txBody>
           <a:bodyPr/>
           <a:lstStyle/>
@@ -12883,7 +12888,7 @@
             </a:fld>
             <a:r>
               <a:rPr lang="en-US" dirty="0"/>
-              <a:t>/1</a:t>
+              <a:t>/6</a:t>
             </a:r>
           </a:p>
         </p:txBody>
@@ -13009,7 +13014,12 @@
             <p:ph type="sldNum" sz="quarter" idx="12"/>
           </p:nvPr>
         </p:nvSpPr>
-        <p:spPr/>
+        <p:spPr>
+          <a:xfrm>
+            <a:off x="10047673" y="6486035"/>
+            <a:ext cx="771089" cy="365125"/>
+          </a:xfrm>
+        </p:spPr>
         <p:txBody>
           <a:bodyPr/>
           <a:lstStyle/>
@@ -13018,7 +13028,10 @@
               <a:rPr lang="en-US" smtClean="0"/>
               <a:t>2</a:t>
             </a:fld>
-            <a:endParaRPr lang="en-US"/>
+            <a:r>
+              <a:rPr lang="en-US" dirty="0"/>
+              <a:t>/6</a:t>
+            </a:r>
           </a:p>
         </p:txBody>
       </p:sp>
@@ -13212,7 +13225,7 @@
           <a:p>
             <a:r>
               <a:rPr lang="en-US" dirty="0"/>
-              <a:t>Absolute values of differences in pixel brightness are calculated for all neighbors of the pixel</a:t>
+              <a:t>Absolute values of differences in pixel brightness are calculated for all neighbors of the pixel using stream offsets</a:t>
             </a:r>
           </a:p>
           <a:p>
@@ -13245,7 +13258,12 @@
             <p:ph type="sldNum" sz="quarter" idx="12"/>
           </p:nvPr>
         </p:nvSpPr>
-        <p:spPr/>
+        <p:spPr>
+          <a:xfrm>
+            <a:off x="9895321" y="6492875"/>
+            <a:ext cx="771089" cy="365125"/>
+          </a:xfrm>
+        </p:spPr>
         <p:txBody>
           <a:bodyPr/>
           <a:lstStyle/>
@@ -13254,7 +13272,10 @@
               <a:rPr lang="en-US" smtClean="0"/>
               <a:t>3</a:t>
             </a:fld>
-            <a:endParaRPr lang="en-US"/>
+            <a:r>
+              <a:rPr lang="en-US" dirty="0"/>
+              <a:t>/6</a:t>
+            </a:r>
           </a:p>
         </p:txBody>
       </p:sp>
@@ -13304,7 +13325,12 @@
             <p:ph type="title"/>
           </p:nvPr>
         </p:nvSpPr>
-        <p:spPr/>
+        <p:spPr>
+          <a:xfrm>
+            <a:off x="1526573" y="264060"/>
+            <a:ext cx="9905998" cy="1478570"/>
+          </a:xfrm>
+        </p:spPr>
         <p:txBody>
           <a:bodyPr/>
           <a:lstStyle/>
@@ -13316,31 +13342,41 @@
           </a:p>
         </p:txBody>
       </p:sp>
-      <p:sp>
-        <p:nvSpPr>
-          <p:cNvPr id="3" name="Content Placeholder 2">
+      <p:pic>
+        <p:nvPicPr>
+          <p:cNvPr id="6" name="Content Placeholder 5">
             <a:extLst>
               <a:ext uri="{FF2B5EF4-FFF2-40B4-BE49-F238E27FC236}">
-                <a16:creationId xmlns:a16="http://schemas.microsoft.com/office/drawing/2014/main" id="{E40E2A13-7796-4A4D-B495-3301567ED763}"/>
+                <a16:creationId xmlns:a16="http://schemas.microsoft.com/office/drawing/2014/main" id="{887583E9-64DB-43BF-A77F-E7B3B88551F6}"/>
               </a:ext>
             </a:extLst>
           </p:cNvPr>
-          <p:cNvSpPr>
-            <a:spLocks noGrp="1"/>
-          </p:cNvSpPr>
+          <p:cNvPicPr>
+            <a:picLocks noGrp="1" noChangeAspect="1"/>
+          </p:cNvPicPr>
           <p:nvPr>
             <p:ph idx="1"/>
           </p:nvPr>
-        </p:nvSpPr>
-        <p:spPr/>
-        <p:txBody>
-          <a:bodyPr/>
-          <a:lstStyle/>
-          <a:p>
-            <a:endParaRPr lang="en-US"/>
-          </a:p>
-        </p:txBody>
-      </p:sp>
+        </p:nvPicPr>
+        <p:blipFill>
+          <a:blip r:embed="rId2">
+            <a:extLst>
+              <a:ext uri="{28A0092B-C50C-407E-A947-70E740481C1C}">
+                <a14:useLocalDpi xmlns:a14="http://schemas.microsoft.com/office/drawing/2010/main" val="0"/>
+              </a:ext>
+            </a:extLst>
+          </a:blip>
+          <a:stretch>
+            <a:fillRect/>
+          </a:stretch>
+        </p:blipFill>
+        <p:spPr>
+          <a:xfrm>
+            <a:off x="6644380" y="1635453"/>
+            <a:ext cx="2987642" cy="5039435"/>
+          </a:xfrm>
+        </p:spPr>
+      </p:pic>
       <p:sp>
         <p:nvSpPr>
           <p:cNvPr id="4" name="Slide Number Placeholder 3">
@@ -13357,7 +13393,12 @@
             <p:ph type="sldNum" sz="quarter" idx="12"/>
           </p:nvPr>
         </p:nvSpPr>
-        <p:spPr/>
+        <p:spPr>
+          <a:xfrm>
+            <a:off x="9964407" y="6411377"/>
+            <a:ext cx="771089" cy="365125"/>
+          </a:xfrm>
+        </p:spPr>
         <p:txBody>
           <a:bodyPr/>
           <a:lstStyle/>
@@ -13366,10 +13407,49 @@
               <a:rPr lang="en-US" smtClean="0"/>
               <a:t>4</a:t>
             </a:fld>
-            <a:endParaRPr lang="en-US"/>
+            <a:r>
+              <a:rPr lang="en-US" dirty="0"/>
+              <a:t>/6</a:t>
+            </a:r>
           </a:p>
         </p:txBody>
       </p:sp>
+      <p:pic>
+        <p:nvPicPr>
+          <p:cNvPr id="8" name="Picture 7">
+            <a:extLst>
+              <a:ext uri="{FF2B5EF4-FFF2-40B4-BE49-F238E27FC236}">
+                <a16:creationId xmlns:a16="http://schemas.microsoft.com/office/drawing/2014/main" id="{D840E924-9445-4ED3-A098-54748F4DDEB0}"/>
+              </a:ext>
+            </a:extLst>
+          </p:cNvPr>
+          <p:cNvPicPr>
+            <a:picLocks noChangeAspect="1"/>
+          </p:cNvPicPr>
+          <p:nvPr/>
+        </p:nvPicPr>
+        <p:blipFill>
+          <a:blip r:embed="rId3">
+            <a:extLst>
+              <a:ext uri="{28A0092B-C50C-407E-A947-70E740481C1C}">
+                <a14:useLocalDpi xmlns:a14="http://schemas.microsoft.com/office/drawing/2010/main" val="0"/>
+              </a:ext>
+            </a:extLst>
+          </a:blip>
+          <a:stretch>
+            <a:fillRect/>
+          </a:stretch>
+        </p:blipFill>
+        <p:spPr>
+          <a:xfrm>
+            <a:off x="1782761" y="1629758"/>
+            <a:ext cx="3929669" cy="5045130"/>
+          </a:xfrm>
+          <a:prstGeom prst="rect">
+            <a:avLst/>
+          </a:prstGeom>
+        </p:spPr>
+      </p:pic>
     </p:spTree>
     <p:extLst>
       <p:ext uri="{BB962C8B-B14F-4D97-AF65-F5344CB8AC3E}">
@@ -13428,31 +13508,41 @@
           </a:p>
         </p:txBody>
       </p:sp>
-      <p:sp>
-        <p:nvSpPr>
-          <p:cNvPr id="3" name="Content Placeholder 2">
+      <p:pic>
+        <p:nvPicPr>
+          <p:cNvPr id="6" name="Content Placeholder 5">
             <a:extLst>
               <a:ext uri="{FF2B5EF4-FFF2-40B4-BE49-F238E27FC236}">
-                <a16:creationId xmlns:a16="http://schemas.microsoft.com/office/drawing/2014/main" id="{098E779F-A3B4-4DAB-9009-16711700147D}"/>
+                <a16:creationId xmlns:a16="http://schemas.microsoft.com/office/drawing/2014/main" id="{EEDBC9B5-2589-4B6A-B81C-55F4C4070FC9}"/>
               </a:ext>
             </a:extLst>
           </p:cNvPr>
-          <p:cNvSpPr>
-            <a:spLocks noGrp="1"/>
-          </p:cNvSpPr>
+          <p:cNvPicPr>
+            <a:picLocks noGrp="1" noChangeAspect="1"/>
+          </p:cNvPicPr>
           <p:nvPr>
             <p:ph idx="1"/>
           </p:nvPr>
-        </p:nvSpPr>
-        <p:spPr/>
-        <p:txBody>
-          <a:bodyPr/>
-          <a:lstStyle/>
-          <a:p>
-            <a:endParaRPr lang="en-US"/>
-          </a:p>
-        </p:txBody>
-      </p:sp>
+        </p:nvPicPr>
+        <p:blipFill>
+          <a:blip r:embed="rId2">
+            <a:extLst>
+              <a:ext uri="{28A0092B-C50C-407E-A947-70E740481C1C}">
+                <a14:useLocalDpi xmlns:a14="http://schemas.microsoft.com/office/drawing/2010/main" val="0"/>
+              </a:ext>
+            </a:extLst>
+          </a:blip>
+          <a:stretch>
+            <a:fillRect/>
+          </a:stretch>
+        </p:blipFill>
+        <p:spPr>
+          <a:xfrm>
+            <a:off x="3810334" y="1562101"/>
+            <a:ext cx="6809442" cy="4930774"/>
+          </a:xfrm>
+        </p:spPr>
+      </p:pic>
       <p:sp>
         <p:nvSpPr>
           <p:cNvPr id="4" name="Slide Number Placeholder 3">
@@ -13469,7 +13559,12 @@
             <p:ph type="sldNum" sz="quarter" idx="12"/>
           </p:nvPr>
         </p:nvSpPr>
-        <p:spPr/>
+        <p:spPr>
+          <a:xfrm>
+            <a:off x="9990571" y="6435725"/>
+            <a:ext cx="771089" cy="365125"/>
+          </a:xfrm>
+        </p:spPr>
         <p:txBody>
           <a:bodyPr/>
           <a:lstStyle/>
@@ -13478,10 +13573,49 @@
               <a:rPr lang="en-US" smtClean="0"/>
               <a:t>5</a:t>
             </a:fld>
-            <a:endParaRPr lang="en-US"/>
+            <a:r>
+              <a:rPr lang="en-US" dirty="0"/>
+              <a:t>/6</a:t>
+            </a:r>
           </a:p>
         </p:txBody>
       </p:sp>
+      <p:pic>
+        <p:nvPicPr>
+          <p:cNvPr id="8" name="Picture 7">
+            <a:extLst>
+              <a:ext uri="{FF2B5EF4-FFF2-40B4-BE49-F238E27FC236}">
+                <a16:creationId xmlns:a16="http://schemas.microsoft.com/office/drawing/2014/main" id="{96F9372A-7B40-4362-B37D-A1ACBE1981CF}"/>
+              </a:ext>
+            </a:extLst>
+          </p:cNvPr>
+          <p:cNvPicPr>
+            <a:picLocks noChangeAspect="1"/>
+          </p:cNvPicPr>
+          <p:nvPr/>
+        </p:nvPicPr>
+        <p:blipFill>
+          <a:blip r:embed="rId3">
+            <a:extLst>
+              <a:ext uri="{28A0092B-C50C-407E-A947-70E740481C1C}">
+                <a14:useLocalDpi xmlns:a14="http://schemas.microsoft.com/office/drawing/2010/main" val="0"/>
+              </a:ext>
+            </a:extLst>
+          </a:blip>
+          <a:stretch>
+            <a:fillRect/>
+          </a:stretch>
+        </p:blipFill>
+        <p:spPr>
+          <a:xfrm>
+            <a:off x="1519232" y="2347107"/>
+            <a:ext cx="2100268" cy="2613836"/>
+          </a:xfrm>
+          <a:prstGeom prst="rect">
+            <a:avLst/>
+          </a:prstGeom>
+        </p:spPr>
+      </p:pic>
     </p:spTree>
     <p:extLst>
       <p:ext uri="{BB962C8B-B14F-4D97-AF65-F5344CB8AC3E}">
@@ -13556,12 +13690,40 @@
             <p:ph idx="1"/>
           </p:nvPr>
         </p:nvSpPr>
-        <p:spPr/>
+        <p:spPr>
+          <a:xfrm>
+            <a:off x="1141412" y="2249487"/>
+            <a:ext cx="9905999" cy="3846514"/>
+          </a:xfrm>
+        </p:spPr>
         <p:txBody>
-          <a:bodyPr/>
+          <a:bodyPr>
+            <a:normAutofit/>
+          </a:bodyPr>
           <a:lstStyle/>
           <a:p>
-            <a:endParaRPr lang="en-US"/>
+            <a:r>
+              <a:rPr lang="en-US" dirty="0"/>
+              <a:t>Data can be streamed in from camera hardware (pre-compression) or on existing saved RAW image formats</a:t>
+            </a:r>
+          </a:p>
+          <a:p>
+            <a:r>
+              <a:rPr lang="en-US" dirty="0"/>
+              <a:t>Allows for potential of ‘real-time’ edge detection photo/video</a:t>
+            </a:r>
+          </a:p>
+          <a:p>
+            <a:r>
+              <a:rPr lang="en-US" dirty="0"/>
+              <a:t>Much faster than doing edge detection calculations on software level after images are saved</a:t>
+            </a:r>
+          </a:p>
+          <a:p>
+            <a:r>
+              <a:rPr lang="en-US" dirty="0"/>
+              <a:t>Exact performance increase unknown due to development and testing in simulation environment only</a:t>
+            </a:r>
           </a:p>
         </p:txBody>
       </p:sp>
@@ -13581,7 +13743,12 @@
             <p:ph type="sldNum" sz="quarter" idx="12"/>
           </p:nvPr>
         </p:nvSpPr>
-        <p:spPr/>
+        <p:spPr>
+          <a:xfrm>
+            <a:off x="10060421" y="6492875"/>
+            <a:ext cx="771089" cy="365125"/>
+          </a:xfrm>
+        </p:spPr>
         <p:txBody>
           <a:bodyPr/>
           <a:lstStyle/>
@@ -13590,7 +13757,10 @@
               <a:rPr lang="en-US" smtClean="0"/>
               <a:t>6</a:t>
             </a:fld>
-            <a:endParaRPr lang="en-US"/>
+            <a:r>
+              <a:rPr lang="en-US" dirty="0"/>
+              <a:t>/6</a:t>
+            </a:r>
           </a:p>
         </p:txBody>
       </p:sp>
